--- a/PPT/EP16-2020-09-14.pptx
+++ b/PPT/EP16-2020-09-14.pptx
@@ -244,7 +244,7 @@
           <a:p>
             <a:fld id="{65A80631-54B1-48E6-A9AE-E2FEE8DCC965}" type="datetimeFigureOut">
               <a:rPr lang="en-AU" smtClean="0"/>
-              <a:t>14/09/2020</a:t>
+              <a:t>26/09/2020</a:t>
             </a:fld>
             <a:endParaRPr lang="en-AU"/>
           </a:p>
@@ -1009,7 +1009,7 @@
           <a:p>
             <a:fld id="{8E637067-6E96-407E-932C-BC7D980752C7}" type="datetime1">
               <a:rPr lang="en-AU" smtClean="0"/>
-              <a:t>14/09/2020</a:t>
+              <a:t>26/09/2020</a:t>
             </a:fld>
             <a:endParaRPr lang="en-AU"/>
           </a:p>
@@ -1271,7 +1271,7 @@
           <a:p>
             <a:fld id="{E2450903-EBF7-48C2-8550-1833C12F0AA6}" type="datetime1">
               <a:rPr lang="en-AU" smtClean="0"/>
-              <a:t>14/09/2020</a:t>
+              <a:t>26/09/2020</a:t>
             </a:fld>
             <a:endParaRPr lang="en-AU"/>
           </a:p>
@@ -1481,7 +1481,7 @@
           <a:p>
             <a:fld id="{0719D9BD-B01A-4CEF-A6CB-21D7A6F8D6F2}" type="datetime1">
               <a:rPr lang="en-AU" smtClean="0"/>
-              <a:t>14/09/2020</a:t>
+              <a:t>26/09/2020</a:t>
             </a:fld>
             <a:endParaRPr lang="en-AU"/>
           </a:p>
@@ -1711,7 +1711,7 @@
           <a:p>
             <a:fld id="{C64969CA-26E5-45A2-B10F-C1180E7CBD2D}" type="datetime1">
               <a:rPr lang="en-AU" smtClean="0"/>
-              <a:t>14/09/2020</a:t>
+              <a:t>26/09/2020</a:t>
             </a:fld>
             <a:endParaRPr lang="en-AU"/>
           </a:p>
@@ -2006,7 +2006,7 @@
           <a:p>
             <a:fld id="{5F7A2204-BE50-4E48-9789-6C6AAA30A7A2}" type="datetime1">
               <a:rPr lang="en-AU" smtClean="0"/>
-              <a:t>14/09/2020</a:t>
+              <a:t>26/09/2020</a:t>
             </a:fld>
             <a:endParaRPr lang="en-AU"/>
           </a:p>
@@ -2304,7 +2304,7 @@
           <a:p>
             <a:fld id="{721A5C3F-BE4F-4851-AF67-8A75069083E7}" type="datetime1">
               <a:rPr lang="en-AU" smtClean="0"/>
-              <a:t>14/09/2020</a:t>
+              <a:t>26/09/2020</a:t>
             </a:fld>
             <a:endParaRPr lang="en-AU"/>
           </a:p>
@@ -2719,7 +2719,7 @@
           <a:p>
             <a:fld id="{55A3E711-E32B-4CCD-82F0-95CC8451035B}" type="datetime1">
               <a:rPr lang="en-AU" smtClean="0"/>
-              <a:t>14/09/2020</a:t>
+              <a:t>26/09/2020</a:t>
             </a:fld>
             <a:endParaRPr lang="en-AU"/>
           </a:p>
@@ -2861,7 +2861,7 @@
           <a:p>
             <a:fld id="{EF07BE97-ED60-462F-A348-14836DED808A}" type="datetime1">
               <a:rPr lang="en-AU" smtClean="0"/>
-              <a:t>14/09/2020</a:t>
+              <a:t>26/09/2020</a:t>
             </a:fld>
             <a:endParaRPr lang="en-AU"/>
           </a:p>
@@ -2979,7 +2979,7 @@
           <a:p>
             <a:fld id="{E97282B5-37CB-4082-B12E-83D5EDF75E4A}" type="datetime1">
               <a:rPr lang="en-AU" smtClean="0"/>
-              <a:t>14/09/2020</a:t>
+              <a:t>26/09/2020</a:t>
             </a:fld>
             <a:endParaRPr lang="en-AU"/>
           </a:p>
@@ -3311,7 +3311,7 @@
           <a:p>
             <a:fld id="{C7C2990E-F309-4F24-BA9A-9107C2FDEECF}" type="datetime1">
               <a:rPr lang="en-AU" smtClean="0"/>
-              <a:t>14/09/2020</a:t>
+              <a:t>26/09/2020</a:t>
             </a:fld>
             <a:endParaRPr lang="en-AU"/>
           </a:p>
@@ -3600,7 +3600,7 @@
           <a:p>
             <a:fld id="{80C6DB83-2A7E-4062-A2D1-F8DFAD5107D5}" type="datetime1">
               <a:rPr lang="en-AU" smtClean="0"/>
-              <a:t>14/09/2020</a:t>
+              <a:t>26/09/2020</a:t>
             </a:fld>
             <a:endParaRPr lang="en-AU"/>
           </a:p>
@@ -3845,7 +3845,7 @@
           <a:p>
             <a:fld id="{0579ABAF-0E04-4612-BCFD-9F946A6B758B}" type="datetime1">
               <a:rPr lang="en-AU" smtClean="0"/>
-              <a:t>14/09/2020</a:t>
+              <a:t>26/09/2020</a:t>
             </a:fld>
             <a:endParaRPr lang="en-AU"/>
           </a:p>
